--- a/D1-data-prep-ssm/lecture_data_prep.pptx
+++ b/D1-data-prep-ssm/lecture_data_prep.pptx
@@ -3850,7 +3850,7 @@
           <a:lstStyle/>
           <a:p>
             <a:r>
-              <a:rPr lang="en-US"/>
+              <a:rPr lang="en-US" dirty="0"/>
               <a:t>Multiple imputation</a:t>
             </a:r>
           </a:p>
